--- a/Project 5_powerpoint.pptx
+++ b/Project 5_powerpoint.pptx
@@ -5,7 +5,7 @@
     <p:sldMasterId id="2147483659" r:id="rId1"/>
   </p:sldMasterIdLst>
   <p:notesMasterIdLst>
-    <p:notesMasterId r:id="rId10"/>
+    <p:notesMasterId r:id="rId13"/>
   </p:notesMasterIdLst>
   <p:sldIdLst>
     <p:sldId id="256" r:id="rId2"/>
@@ -16,23 +16,26 @@
     <p:sldId id="261" r:id="rId7"/>
     <p:sldId id="262" r:id="rId8"/>
     <p:sldId id="263" r:id="rId9"/>
+    <p:sldId id="264" r:id="rId10"/>
+    <p:sldId id="265" r:id="rId11"/>
+    <p:sldId id="266" r:id="rId12"/>
   </p:sldIdLst>
   <p:sldSz cx="9144000" cy="5143500" type="screen16x9"/>
   <p:notesSz cx="6858000" cy="9144000"/>
   <p:embeddedFontLst>
     <p:embeddedFont>
       <p:font typeface="Lato" panose="020B0604020202020204" charset="0"/>
-      <p:regular r:id="rId11"/>
-      <p:bold r:id="rId12"/>
-      <p:italic r:id="rId13"/>
-      <p:boldItalic r:id="rId14"/>
+      <p:regular r:id="rId14"/>
+      <p:bold r:id="rId15"/>
+      <p:italic r:id="rId16"/>
+      <p:boldItalic r:id="rId17"/>
     </p:embeddedFont>
     <p:embeddedFont>
       <p:font typeface="Raleway" panose="020B0604020202020204" charset="0"/>
-      <p:regular r:id="rId15"/>
-      <p:bold r:id="rId16"/>
-      <p:italic r:id="rId17"/>
-      <p:boldItalic r:id="rId18"/>
+      <p:regular r:id="rId18"/>
+      <p:bold r:id="rId19"/>
+      <p:italic r:id="rId20"/>
+      <p:boldItalic r:id="rId21"/>
     </p:embeddedFont>
   </p:embeddedFontLst>
   <p:defaultTextStyle>
@@ -828,6 +831,214 @@
 </p:notes>
 </file>
 
+<file path=ppt/notesSlides/notesSlide10.xml><?xml version="1.0" encoding="utf-8"?>
+<p:notes xmlns:a="http://schemas.openxmlformats.org/drawingml/2006/main" xmlns:r="http://schemas.openxmlformats.org/officeDocument/2006/relationships" xmlns:p="http://schemas.openxmlformats.org/presentationml/2006/main" showMasterSp="0" showMasterPhAnim="0">
+  <p:cSld>
+    <p:spTree>
+      <p:nvGrpSpPr>
+        <p:cNvPr id="1" name="Shape 136"/>
+        <p:cNvGrpSpPr/>
+        <p:nvPr/>
+      </p:nvGrpSpPr>
+      <p:grpSpPr>
+        <a:xfrm>
+          <a:off x="0" y="0"/>
+          <a:ext cx="0" cy="0"/>
+          <a:chOff x="0" y="0"/>
+          <a:chExt cx="0" cy="0"/>
+        </a:xfrm>
+      </p:grpSpPr>
+      <p:sp>
+        <p:nvSpPr>
+          <p:cNvPr id="137" name="Google Shape;137;g7273904c5f_0_97:notes"/>
+          <p:cNvSpPr>
+            <a:spLocks noGrp="1" noRot="1" noChangeAspect="1"/>
+          </p:cNvSpPr>
+          <p:nvPr>
+            <p:ph type="sldImg" idx="2"/>
+          </p:nvPr>
+        </p:nvSpPr>
+        <p:spPr>
+          <a:xfrm>
+            <a:off x="381300" y="685800"/>
+            <a:ext cx="6096000" cy="3429000"/>
+          </a:xfrm>
+          <a:custGeom>
+            <a:avLst/>
+            <a:gdLst/>
+            <a:ahLst/>
+            <a:cxnLst/>
+            <a:rect l="l" t="t" r="r" b="b"/>
+            <a:pathLst>
+              <a:path w="120000" h="120000" extrusionOk="0">
+                <a:moveTo>
+                  <a:pt x="0" y="0"/>
+                </a:moveTo>
+                <a:lnTo>
+                  <a:pt x="120000" y="0"/>
+                </a:lnTo>
+                <a:lnTo>
+                  <a:pt x="120000" y="120000"/>
+                </a:lnTo>
+                <a:lnTo>
+                  <a:pt x="0" y="120000"/>
+                </a:lnTo>
+                <a:close/>
+              </a:path>
+            </a:pathLst>
+          </a:custGeom>
+        </p:spPr>
+      </p:sp>
+      <p:sp>
+        <p:nvSpPr>
+          <p:cNvPr id="138" name="Google Shape;138;g7273904c5f_0_97:notes"/>
+          <p:cNvSpPr txBox="1">
+            <a:spLocks noGrp="1"/>
+          </p:cNvSpPr>
+          <p:nvPr>
+            <p:ph type="body" idx="1"/>
+          </p:nvPr>
+        </p:nvSpPr>
+        <p:spPr>
+          <a:xfrm>
+            <a:off x="685800" y="4343400"/>
+            <a:ext cx="5486400" cy="4114800"/>
+          </a:xfrm>
+          <a:prstGeom prst="rect">
+            <a:avLst/>
+          </a:prstGeom>
+        </p:spPr>
+        <p:txBody>
+          <a:bodyPr spcFirstLastPara="1" wrap="square" lIns="91425" tIns="91425" rIns="91425" bIns="91425" anchor="t" anchorCtr="0">
+            <a:noAutofit/>
+          </a:bodyPr>
+          <a:lstStyle/>
+          <a:p>
+            <a:pPr marL="0" lvl="0" indent="0" algn="l" rtl="0">
+              <a:spcBef>
+                <a:spcPts val="0"/>
+              </a:spcBef>
+              <a:spcAft>
+                <a:spcPts val="0"/>
+              </a:spcAft>
+              <a:buNone/>
+            </a:pPr>
+            <a:endParaRPr/>
+          </a:p>
+        </p:txBody>
+      </p:sp>
+    </p:spTree>
+  </p:cSld>
+  <p:clrMapOvr>
+    <a:masterClrMapping/>
+  </p:clrMapOvr>
+</p:notes>
+</file>
+
+<file path=ppt/notesSlides/notesSlide11.xml><?xml version="1.0" encoding="utf-8"?>
+<p:notes xmlns:a="http://schemas.openxmlformats.org/drawingml/2006/main" xmlns:r="http://schemas.openxmlformats.org/officeDocument/2006/relationships" xmlns:p="http://schemas.openxmlformats.org/presentationml/2006/main" showMasterSp="0" showMasterPhAnim="0">
+  <p:cSld>
+    <p:spTree>
+      <p:nvGrpSpPr>
+        <p:cNvPr id="1" name="Shape 144"/>
+        <p:cNvGrpSpPr/>
+        <p:nvPr/>
+      </p:nvGrpSpPr>
+      <p:grpSpPr>
+        <a:xfrm>
+          <a:off x="0" y="0"/>
+          <a:ext cx="0" cy="0"/>
+          <a:chOff x="0" y="0"/>
+          <a:chExt cx="0" cy="0"/>
+        </a:xfrm>
+      </p:grpSpPr>
+      <p:sp>
+        <p:nvSpPr>
+          <p:cNvPr id="145" name="Google Shape;145;g7293240a15_0_2:notes"/>
+          <p:cNvSpPr>
+            <a:spLocks noGrp="1" noRot="1" noChangeAspect="1"/>
+          </p:cNvSpPr>
+          <p:nvPr>
+            <p:ph type="sldImg" idx="2"/>
+          </p:nvPr>
+        </p:nvSpPr>
+        <p:spPr>
+          <a:xfrm>
+            <a:off x="381300" y="685800"/>
+            <a:ext cx="6096000" cy="3429000"/>
+          </a:xfrm>
+          <a:custGeom>
+            <a:avLst/>
+            <a:gdLst/>
+            <a:ahLst/>
+            <a:cxnLst/>
+            <a:rect l="l" t="t" r="r" b="b"/>
+            <a:pathLst>
+              <a:path w="120000" h="120000" extrusionOk="0">
+                <a:moveTo>
+                  <a:pt x="0" y="0"/>
+                </a:moveTo>
+                <a:lnTo>
+                  <a:pt x="120000" y="0"/>
+                </a:lnTo>
+                <a:lnTo>
+                  <a:pt x="120000" y="120000"/>
+                </a:lnTo>
+                <a:lnTo>
+                  <a:pt x="0" y="120000"/>
+                </a:lnTo>
+                <a:close/>
+              </a:path>
+            </a:pathLst>
+          </a:custGeom>
+        </p:spPr>
+      </p:sp>
+      <p:sp>
+        <p:nvSpPr>
+          <p:cNvPr id="146" name="Google Shape;146;g7293240a15_0_2:notes"/>
+          <p:cNvSpPr txBox="1">
+            <a:spLocks noGrp="1"/>
+          </p:cNvSpPr>
+          <p:nvPr>
+            <p:ph type="body" idx="1"/>
+          </p:nvPr>
+        </p:nvSpPr>
+        <p:spPr>
+          <a:xfrm>
+            <a:off x="685800" y="4343400"/>
+            <a:ext cx="5486400" cy="4114800"/>
+          </a:xfrm>
+          <a:prstGeom prst="rect">
+            <a:avLst/>
+          </a:prstGeom>
+        </p:spPr>
+        <p:txBody>
+          <a:bodyPr spcFirstLastPara="1" wrap="square" lIns="91425" tIns="91425" rIns="91425" bIns="91425" anchor="t" anchorCtr="0">
+            <a:noAutofit/>
+          </a:bodyPr>
+          <a:lstStyle/>
+          <a:p>
+            <a:pPr marL="0" lvl="0" indent="0" algn="l" rtl="0">
+              <a:spcBef>
+                <a:spcPts val="0"/>
+              </a:spcBef>
+              <a:spcAft>
+                <a:spcPts val="0"/>
+              </a:spcAft>
+              <a:buNone/>
+            </a:pPr>
+            <a:endParaRPr/>
+          </a:p>
+        </p:txBody>
+      </p:sp>
+    </p:spTree>
+  </p:cSld>
+  <p:clrMapOvr>
+    <a:masterClrMapping/>
+  </p:clrMapOvr>
+</p:notes>
+</file>
+
 <file path=ppt/notesSlides/notesSlide2.xml><?xml version="1.0" encoding="utf-8"?>
 <p:notes xmlns:a="http://schemas.openxmlformats.org/drawingml/2006/main" xmlns:r="http://schemas.openxmlformats.org/officeDocument/2006/relationships" xmlns:p="http://schemas.openxmlformats.org/presentationml/2006/main" showMasterSp="0" showMasterPhAnim="0">
   <p:cSld>
@@ -1159,7 +1370,7 @@
       </p:grpSpPr>
       <p:sp>
         <p:nvSpPr>
-          <p:cNvPr id="107" name="Google Shape;107;g7273904c5f_0_92:notes"/>
+          <p:cNvPr id="107" name="Google Shape;107;g82d28da18a_0_5:notes"/>
           <p:cNvSpPr>
             <a:spLocks noGrp="1" noRot="1" noChangeAspect="1"/>
           </p:cNvSpPr>
@@ -1200,7 +1411,7 @@
       </p:sp>
       <p:sp>
         <p:nvSpPr>
-          <p:cNvPr id="108" name="Google Shape;108;g7273904c5f_0_92:notes"/>
+          <p:cNvPr id="108" name="Google Shape;108;g82d28da18a_0_5:notes"/>
           <p:cNvSpPr txBox="1">
             <a:spLocks noGrp="1"/>
           </p:cNvSpPr>
@@ -1263,7 +1474,7 @@
       </p:grpSpPr>
       <p:sp>
         <p:nvSpPr>
-          <p:cNvPr id="113" name="Google Shape;113;g82db02e5d3_0_6:notes"/>
+          <p:cNvPr id="113" name="Google Shape;113;g7273904c5f_0_92:notes"/>
           <p:cNvSpPr>
             <a:spLocks noGrp="1" noRot="1" noChangeAspect="1"/>
           </p:cNvSpPr>
@@ -1304,7 +1515,7 @@
       </p:sp>
       <p:sp>
         <p:nvSpPr>
-          <p:cNvPr id="114" name="Google Shape;114;g82db02e5d3_0_6:notes"/>
+          <p:cNvPr id="114" name="Google Shape;114;g7273904c5f_0_92:notes"/>
           <p:cNvSpPr txBox="1">
             <a:spLocks noGrp="1"/>
           </p:cNvSpPr>
@@ -1367,7 +1578,7 @@
       </p:grpSpPr>
       <p:sp>
         <p:nvSpPr>
-          <p:cNvPr id="119" name="Google Shape;119;g82db02e5d3_0_0:notes"/>
+          <p:cNvPr id="119" name="Google Shape;119;g82d28da18a_0_0:notes"/>
           <p:cNvSpPr>
             <a:spLocks noGrp="1" noRot="1" noChangeAspect="1"/>
           </p:cNvSpPr>
@@ -1408,7 +1619,7 @@
       </p:sp>
       <p:sp>
         <p:nvSpPr>
-          <p:cNvPr id="120" name="Google Shape;120;g82db02e5d3_0_0:notes"/>
+          <p:cNvPr id="120" name="Google Shape;120;g82d28da18a_0_0:notes"/>
           <p:cNvSpPr txBox="1">
             <a:spLocks noGrp="1"/>
           </p:cNvSpPr>
@@ -1471,7 +1682,7 @@
       </p:grpSpPr>
       <p:sp>
         <p:nvSpPr>
-          <p:cNvPr id="125" name="Google Shape;125;g7273904c5f_0_97:notes"/>
+          <p:cNvPr id="125" name="Google Shape;125;g82db02e5d3_0_6:notes"/>
           <p:cNvSpPr>
             <a:spLocks noGrp="1" noRot="1" noChangeAspect="1"/>
           </p:cNvSpPr>
@@ -1512,7 +1723,111 @@
       </p:sp>
       <p:sp>
         <p:nvSpPr>
-          <p:cNvPr id="126" name="Google Shape;126;g7273904c5f_0_97:notes"/>
+          <p:cNvPr id="126" name="Google Shape;126;g82db02e5d3_0_6:notes"/>
+          <p:cNvSpPr txBox="1">
+            <a:spLocks noGrp="1"/>
+          </p:cNvSpPr>
+          <p:nvPr>
+            <p:ph type="body" idx="1"/>
+          </p:nvPr>
+        </p:nvSpPr>
+        <p:spPr>
+          <a:xfrm>
+            <a:off x="685800" y="4343400"/>
+            <a:ext cx="5486400" cy="4114800"/>
+          </a:xfrm>
+          <a:prstGeom prst="rect">
+            <a:avLst/>
+          </a:prstGeom>
+        </p:spPr>
+        <p:txBody>
+          <a:bodyPr spcFirstLastPara="1" wrap="square" lIns="91425" tIns="91425" rIns="91425" bIns="91425" anchor="t" anchorCtr="0">
+            <a:noAutofit/>
+          </a:bodyPr>
+          <a:lstStyle/>
+          <a:p>
+            <a:pPr marL="0" lvl="0" indent="0" algn="l" rtl="0">
+              <a:spcBef>
+                <a:spcPts val="0"/>
+              </a:spcBef>
+              <a:spcAft>
+                <a:spcPts val="0"/>
+              </a:spcAft>
+              <a:buNone/>
+            </a:pPr>
+            <a:endParaRPr/>
+          </a:p>
+        </p:txBody>
+      </p:sp>
+    </p:spTree>
+  </p:cSld>
+  <p:clrMapOvr>
+    <a:masterClrMapping/>
+  </p:clrMapOvr>
+</p:notes>
+</file>
+
+<file path=ppt/notesSlides/notesSlide9.xml><?xml version="1.0" encoding="utf-8"?>
+<p:notes xmlns:a="http://schemas.openxmlformats.org/drawingml/2006/main" xmlns:r="http://schemas.openxmlformats.org/officeDocument/2006/relationships" xmlns:p="http://schemas.openxmlformats.org/presentationml/2006/main" showMasterSp="0" showMasterPhAnim="0">
+  <p:cSld>
+    <p:spTree>
+      <p:nvGrpSpPr>
+        <p:cNvPr id="1" name="Shape 130"/>
+        <p:cNvGrpSpPr/>
+        <p:nvPr/>
+      </p:nvGrpSpPr>
+      <p:grpSpPr>
+        <a:xfrm>
+          <a:off x="0" y="0"/>
+          <a:ext cx="0" cy="0"/>
+          <a:chOff x="0" y="0"/>
+          <a:chExt cx="0" cy="0"/>
+        </a:xfrm>
+      </p:grpSpPr>
+      <p:sp>
+        <p:nvSpPr>
+          <p:cNvPr id="131" name="Google Shape;131;g82db02e5d3_0_0:notes"/>
+          <p:cNvSpPr>
+            <a:spLocks noGrp="1" noRot="1" noChangeAspect="1"/>
+          </p:cNvSpPr>
+          <p:nvPr>
+            <p:ph type="sldImg" idx="2"/>
+          </p:nvPr>
+        </p:nvSpPr>
+        <p:spPr>
+          <a:xfrm>
+            <a:off x="381300" y="685800"/>
+            <a:ext cx="6096000" cy="3429000"/>
+          </a:xfrm>
+          <a:custGeom>
+            <a:avLst/>
+            <a:gdLst/>
+            <a:ahLst/>
+            <a:cxnLst/>
+            <a:rect l="l" t="t" r="r" b="b"/>
+            <a:pathLst>
+              <a:path w="120000" h="120000" extrusionOk="0">
+                <a:moveTo>
+                  <a:pt x="0" y="0"/>
+                </a:moveTo>
+                <a:lnTo>
+                  <a:pt x="120000" y="0"/>
+                </a:lnTo>
+                <a:lnTo>
+                  <a:pt x="120000" y="120000"/>
+                </a:lnTo>
+                <a:lnTo>
+                  <a:pt x="0" y="120000"/>
+                </a:lnTo>
+                <a:close/>
+              </a:path>
+            </a:pathLst>
+          </a:custGeom>
+        </p:spPr>
+      </p:sp>
+      <p:sp>
+        <p:nvSpPr>
+          <p:cNvPr id="132" name="Google Shape;132;g82db02e5d3_0_0:notes"/>
           <p:cNvSpPr txBox="1">
             <a:spLocks noGrp="1"/>
           </p:cNvSpPr>
@@ -8311,6 +8626,354 @@
 </p:sld>
 </file>
 
+<file path=ppt/slides/slide10.xml><?xml version="1.0" encoding="utf-8"?>
+<p:sld xmlns:a="http://schemas.openxmlformats.org/drawingml/2006/main" xmlns:r="http://schemas.openxmlformats.org/officeDocument/2006/relationships" xmlns:p="http://schemas.openxmlformats.org/presentationml/2006/main">
+  <p:cSld>
+    <p:spTree>
+      <p:nvGrpSpPr>
+        <p:cNvPr id="1" name="Shape 139"/>
+        <p:cNvGrpSpPr/>
+        <p:nvPr/>
+      </p:nvGrpSpPr>
+      <p:grpSpPr>
+        <a:xfrm>
+          <a:off x="0" y="0"/>
+          <a:ext cx="0" cy="0"/>
+          <a:chOff x="0" y="0"/>
+          <a:chExt cx="0" cy="0"/>
+        </a:xfrm>
+      </p:grpSpPr>
+      <p:sp>
+        <p:nvSpPr>
+          <p:cNvPr id="140" name="Google Shape;140;p22"/>
+          <p:cNvSpPr txBox="1">
+            <a:spLocks noGrp="1"/>
+          </p:cNvSpPr>
+          <p:nvPr>
+            <p:ph type="title"/>
+          </p:nvPr>
+        </p:nvSpPr>
+        <p:spPr>
+          <a:xfrm>
+            <a:off x="729450" y="581675"/>
+            <a:ext cx="7688700" cy="535200"/>
+          </a:xfrm>
+          <a:prstGeom prst="rect">
+            <a:avLst/>
+          </a:prstGeom>
+        </p:spPr>
+        <p:txBody>
+          <a:bodyPr spcFirstLastPara="1" wrap="square" lIns="91425" tIns="91425" rIns="91425" bIns="91425" anchor="t" anchorCtr="0">
+            <a:noAutofit/>
+          </a:bodyPr>
+          <a:lstStyle/>
+          <a:p>
+            <a:pPr marL="0" lvl="0" indent="0" algn="l" rtl="0">
+              <a:spcBef>
+                <a:spcPts val="0"/>
+              </a:spcBef>
+              <a:spcAft>
+                <a:spcPts val="0"/>
+              </a:spcAft>
+              <a:buNone/>
+            </a:pPr>
+            <a:r>
+              <a:rPr lang="en"/>
+              <a:t>Statistical Analysis Results</a:t>
+            </a:r>
+            <a:endParaRPr/>
+          </a:p>
+        </p:txBody>
+      </p:sp>
+      <p:sp>
+        <p:nvSpPr>
+          <p:cNvPr id="141" name="Google Shape;141;p22"/>
+          <p:cNvSpPr txBox="1">
+            <a:spLocks noGrp="1"/>
+          </p:cNvSpPr>
+          <p:nvPr>
+            <p:ph type="body" idx="1"/>
+          </p:nvPr>
+        </p:nvSpPr>
+        <p:spPr>
+          <a:xfrm>
+            <a:off x="729450" y="1469575"/>
+            <a:ext cx="7688700" cy="2870400"/>
+          </a:xfrm>
+          <a:prstGeom prst="rect">
+            <a:avLst/>
+          </a:prstGeom>
+        </p:spPr>
+        <p:txBody>
+          <a:bodyPr spcFirstLastPara="1" wrap="square" lIns="91425" tIns="91425" rIns="91425" bIns="91425" anchor="t" anchorCtr="0">
+            <a:noAutofit/>
+          </a:bodyPr>
+          <a:lstStyle/>
+          <a:p>
+            <a:pPr marL="457200" lvl="0" indent="-355600" algn="l" rtl="0">
+              <a:spcBef>
+                <a:spcPts val="0"/>
+              </a:spcBef>
+              <a:spcAft>
+                <a:spcPts val="0"/>
+              </a:spcAft>
+              <a:buSzPts val="2000"/>
+              <a:buChar char="●"/>
+            </a:pPr>
+            <a:r>
+              <a:rPr lang="en" sz="2000"/>
+              <a:t>Mann-Whitney Test</a:t>
+            </a:r>
+            <a:endParaRPr sz="2000"/>
+          </a:p>
+          <a:p>
+            <a:pPr marL="0" lvl="0" indent="0" algn="l" rtl="0">
+              <a:spcBef>
+                <a:spcPts val="1600"/>
+              </a:spcBef>
+              <a:spcAft>
+                <a:spcPts val="0"/>
+              </a:spcAft>
+              <a:buNone/>
+            </a:pPr>
+            <a:endParaRPr sz="2000"/>
+          </a:p>
+          <a:p>
+            <a:pPr marL="0" lvl="0" indent="0" algn="l" rtl="0">
+              <a:spcBef>
+                <a:spcPts val="1600"/>
+              </a:spcBef>
+              <a:spcAft>
+                <a:spcPts val="0"/>
+              </a:spcAft>
+              <a:buNone/>
+            </a:pPr>
+            <a:endParaRPr sz="2000"/>
+          </a:p>
+          <a:p>
+            <a:pPr marL="457200" lvl="0" indent="-355600" algn="l" rtl="0">
+              <a:spcBef>
+                <a:spcPts val="1600"/>
+              </a:spcBef>
+              <a:spcAft>
+                <a:spcPts val="0"/>
+              </a:spcAft>
+              <a:buSzPts val="2000"/>
+              <a:buChar char="●"/>
+            </a:pPr>
+            <a:r>
+              <a:rPr lang="en" sz="2000"/>
+              <a:t>Logistic Regression</a:t>
+            </a:r>
+            <a:endParaRPr sz="2000"/>
+          </a:p>
+        </p:txBody>
+      </p:sp>
+      <p:pic>
+        <p:nvPicPr>
+          <p:cNvPr id="142" name="Google Shape;142;p22"/>
+          <p:cNvPicPr preferRelativeResize="0"/>
+          <p:nvPr/>
+        </p:nvPicPr>
+        <p:blipFill rotWithShape="1">
+          <a:blip r:embed="rId3">
+            <a:alphaModFix/>
+          </a:blip>
+          <a:srcRect l="23940" t="37036" r="58816" b="51356"/>
+          <a:stretch/>
+        </p:blipFill>
+        <p:spPr>
+          <a:xfrm>
+            <a:off x="1270551" y="1898200"/>
+            <a:ext cx="3076925" cy="1165026"/>
+          </a:xfrm>
+          <a:prstGeom prst="rect">
+            <a:avLst/>
+          </a:prstGeom>
+          <a:noFill/>
+          <a:ln>
+            <a:noFill/>
+          </a:ln>
+        </p:spPr>
+      </p:pic>
+      <p:pic>
+        <p:nvPicPr>
+          <p:cNvPr id="143" name="Google Shape;143;p22"/>
+          <p:cNvPicPr preferRelativeResize="0"/>
+          <p:nvPr/>
+        </p:nvPicPr>
+        <p:blipFill rotWithShape="1">
+          <a:blip r:embed="rId3">
+            <a:alphaModFix/>
+          </a:blip>
+          <a:srcRect l="24785" t="51802" r="43739" b="30939"/>
+          <a:stretch/>
+        </p:blipFill>
+        <p:spPr>
+          <a:xfrm>
+            <a:off x="1431275" y="3580475"/>
+            <a:ext cx="4223923" cy="1302801"/>
+          </a:xfrm>
+          <a:prstGeom prst="rect">
+            <a:avLst/>
+          </a:prstGeom>
+          <a:noFill/>
+          <a:ln>
+            <a:noFill/>
+          </a:ln>
+        </p:spPr>
+      </p:pic>
+    </p:spTree>
+  </p:cSld>
+  <p:clrMapOvr>
+    <a:masterClrMapping/>
+  </p:clrMapOvr>
+</p:sld>
+</file>
+
+<file path=ppt/slides/slide11.xml><?xml version="1.0" encoding="utf-8"?>
+<p:sld xmlns:a="http://schemas.openxmlformats.org/drawingml/2006/main" xmlns:r="http://schemas.openxmlformats.org/officeDocument/2006/relationships" xmlns:p="http://schemas.openxmlformats.org/presentationml/2006/main">
+  <p:cSld>
+    <p:spTree>
+      <p:nvGrpSpPr>
+        <p:cNvPr id="1" name="Shape 147"/>
+        <p:cNvGrpSpPr/>
+        <p:nvPr/>
+      </p:nvGrpSpPr>
+      <p:grpSpPr>
+        <a:xfrm>
+          <a:off x="0" y="0"/>
+          <a:ext cx="0" cy="0"/>
+          <a:chOff x="0" y="0"/>
+          <a:chExt cx="0" cy="0"/>
+        </a:xfrm>
+      </p:grpSpPr>
+      <p:sp>
+        <p:nvSpPr>
+          <p:cNvPr id="148" name="Google Shape;148;p23"/>
+          <p:cNvSpPr txBox="1">
+            <a:spLocks noGrp="1"/>
+          </p:cNvSpPr>
+          <p:nvPr>
+            <p:ph type="title"/>
+          </p:nvPr>
+        </p:nvSpPr>
+        <p:spPr>
+          <a:xfrm>
+            <a:off x="727650" y="568550"/>
+            <a:ext cx="7688700" cy="535200"/>
+          </a:xfrm>
+          <a:prstGeom prst="rect">
+            <a:avLst/>
+          </a:prstGeom>
+        </p:spPr>
+        <p:txBody>
+          <a:bodyPr spcFirstLastPara="1" wrap="square" lIns="91425" tIns="91425" rIns="91425" bIns="91425" anchor="t" anchorCtr="0">
+            <a:noAutofit/>
+          </a:bodyPr>
+          <a:lstStyle/>
+          <a:p>
+            <a:pPr marL="0" lvl="0" indent="0" algn="l" rtl="0">
+              <a:spcBef>
+                <a:spcPts val="0"/>
+              </a:spcBef>
+              <a:spcAft>
+                <a:spcPts val="0"/>
+              </a:spcAft>
+              <a:buNone/>
+            </a:pPr>
+            <a:r>
+              <a:rPr lang="en"/>
+              <a:t>Discussion</a:t>
+            </a:r>
+            <a:endParaRPr/>
+          </a:p>
+        </p:txBody>
+      </p:sp>
+      <p:sp>
+        <p:nvSpPr>
+          <p:cNvPr id="149" name="Google Shape;149;p23"/>
+          <p:cNvSpPr txBox="1">
+            <a:spLocks noGrp="1"/>
+          </p:cNvSpPr>
+          <p:nvPr>
+            <p:ph type="body" idx="1"/>
+          </p:nvPr>
+        </p:nvSpPr>
+        <p:spPr>
+          <a:xfrm>
+            <a:off x="729450" y="1362425"/>
+            <a:ext cx="7688700" cy="2977500"/>
+          </a:xfrm>
+          <a:prstGeom prst="rect">
+            <a:avLst/>
+          </a:prstGeom>
+        </p:spPr>
+        <p:txBody>
+          <a:bodyPr spcFirstLastPara="1" wrap="square" lIns="91425" tIns="91425" rIns="91425" bIns="91425" anchor="t" anchorCtr="0">
+            <a:noAutofit/>
+          </a:bodyPr>
+          <a:lstStyle/>
+          <a:p>
+            <a:pPr marL="0" lvl="0" indent="0" algn="l" rtl="0">
+              <a:spcBef>
+                <a:spcPts val="0"/>
+              </a:spcBef>
+              <a:spcAft>
+                <a:spcPts val="0"/>
+              </a:spcAft>
+              <a:buNone/>
+            </a:pPr>
+            <a:r>
+              <a:rPr lang="en" sz="2000"/>
+              <a:t>Our analysis indicates insufficient evidence to support the hypothesis that higher glucose is associated with incident myocardial infarction.  </a:t>
+            </a:r>
+            <a:endParaRPr sz="2000"/>
+          </a:p>
+          <a:p>
+            <a:pPr marL="457200" lvl="0" indent="-355600" algn="l" rtl="0">
+              <a:spcBef>
+                <a:spcPts val="1600"/>
+              </a:spcBef>
+              <a:spcAft>
+                <a:spcPts val="0"/>
+              </a:spcAft>
+              <a:buSzPts val="2000"/>
+              <a:buChar char="●"/>
+            </a:pPr>
+            <a:r>
+              <a:rPr lang="en" sz="2000"/>
+              <a:t>The Mann Whitney test indicated no difference in glucose for those with MI and those without MI</a:t>
+            </a:r>
+            <a:endParaRPr sz="2000"/>
+          </a:p>
+          <a:p>
+            <a:pPr marL="457200" lvl="0" indent="-355600" algn="l" rtl="0">
+              <a:spcBef>
+                <a:spcPts val="0"/>
+              </a:spcBef>
+              <a:spcAft>
+                <a:spcPts val="0"/>
+              </a:spcAft>
+              <a:buSzPts val="2000"/>
+              <a:buChar char="●"/>
+            </a:pPr>
+            <a:r>
+              <a:rPr lang="en" sz="2000"/>
+              <a:t>The logistic regression model indicated glucose is not a significant predictor after adjusting for risk factors</a:t>
+            </a:r>
+            <a:endParaRPr sz="2000"/>
+          </a:p>
+        </p:txBody>
+      </p:sp>
+    </p:spTree>
+  </p:cSld>
+  <p:clrMapOvr>
+    <a:masterClrMapping/>
+  </p:clrMapOvr>
+</p:sld>
+</file>
+
 <file path=ppt/slides/slide2.xml><?xml version="1.0" encoding="utf-8"?>
 <p:sld xmlns:a="http://schemas.openxmlformats.org/drawingml/2006/main" xmlns:r="http://schemas.openxmlformats.org/officeDocument/2006/relationships" xmlns:p="http://schemas.openxmlformats.org/presentationml/2006/main">
   <p:cSld>
@@ -8405,44 +9068,44 @@
               <a:buNone/>
             </a:pPr>
             <a:r>
-              <a:rPr lang="en" sz="1800"/>
+              <a:rPr lang="en" sz="2000"/>
               <a:t>Study Aims:</a:t>
             </a:r>
-            <a:endParaRPr sz="1800"/>
+            <a:endParaRPr sz="2000"/>
           </a:p>
           <a:p>
-            <a:pPr marL="457200" lvl="0" indent="-342900" algn="l" rtl="0">
+            <a:pPr marL="457200" lvl="0" indent="-355600" algn="l" rtl="0">
               <a:spcBef>
                 <a:spcPts val="1600"/>
               </a:spcBef>
               <a:spcAft>
                 <a:spcPts val="0"/>
               </a:spcAft>
-              <a:buSzPts val="1800"/>
+              <a:buSzPts val="2000"/>
               <a:buChar char="●"/>
             </a:pPr>
             <a:r>
-              <a:rPr lang="en" sz="1800"/>
+              <a:rPr lang="en" sz="2000"/>
               <a:t>To describe the distribution of glucose at Period 1 and incident MI at Period 2</a:t>
             </a:r>
-            <a:endParaRPr sz="1800"/>
+            <a:endParaRPr sz="2000"/>
           </a:p>
           <a:p>
-            <a:pPr marL="457200" lvl="0" indent="-342900" algn="l" rtl="0">
-              <a:spcBef>
-                <a:spcPts val="0"/>
-              </a:spcBef>
-              <a:spcAft>
-                <a:spcPts val="0"/>
-              </a:spcAft>
-              <a:buSzPts val="1800"/>
+            <a:pPr marL="457200" lvl="0" indent="-355600" algn="l" rtl="0">
+              <a:spcBef>
+                <a:spcPts val="0"/>
+              </a:spcBef>
+              <a:spcAft>
+                <a:spcPts val="0"/>
+              </a:spcAft>
+              <a:buSzPts val="2000"/>
               <a:buChar char="●"/>
             </a:pPr>
             <a:r>
-              <a:rPr lang="en" sz="1800"/>
+              <a:rPr lang="en" sz="2000"/>
               <a:t>To test the association between glucose at Period 1 and development of MI (incident MI) at Period 2</a:t>
             </a:r>
-            <a:endParaRPr sz="1800"/>
+            <a:endParaRPr sz="2000"/>
           </a:p>
         </p:txBody>
       </p:sp>
@@ -8548,27 +9211,27 @@
               <a:buNone/>
             </a:pPr>
             <a:r>
-              <a:rPr lang="en" sz="1800"/>
+              <a:rPr lang="en" sz="2000"/>
               <a:t>Primary Hypothesis:</a:t>
             </a:r>
-            <a:endParaRPr sz="1800"/>
+            <a:endParaRPr sz="2000"/>
           </a:p>
           <a:p>
-            <a:pPr marL="457200" lvl="0" indent="-342900" algn="l" rtl="0">
+            <a:pPr marL="457200" lvl="0" indent="-355600" algn="l" rtl="0">
               <a:spcBef>
                 <a:spcPts val="1600"/>
               </a:spcBef>
               <a:spcAft>
                 <a:spcPts val="0"/>
               </a:spcAft>
-              <a:buSzPts val="1800"/>
+              <a:buSzPts val="2000"/>
               <a:buChar char="●"/>
             </a:pPr>
             <a:r>
-              <a:rPr lang="en" sz="1800"/>
+              <a:rPr lang="en" sz="2000"/>
               <a:t>Higher glucose at Period 1 is associated with incidence of myocardial infarction at Period 2</a:t>
             </a:r>
-            <a:endParaRPr sz="1800"/>
+            <a:endParaRPr sz="2000"/>
           </a:p>
         </p:txBody>
       </p:sp>
@@ -8664,173 +9327,134 @@
           </a:bodyPr>
           <a:lstStyle/>
           <a:p>
-            <a:pPr marL="457200" lvl="0" indent="-342900" algn="l" rtl="0">
-              <a:spcBef>
-                <a:spcPts val="0"/>
-              </a:spcBef>
-              <a:spcAft>
-                <a:spcPts val="0"/>
-              </a:spcAft>
-              <a:buSzPts val="1800"/>
+            <a:pPr marL="457200" lvl="0" indent="-355600" algn="l" rtl="0">
+              <a:spcBef>
+                <a:spcPts val="0"/>
+              </a:spcBef>
+              <a:spcAft>
+                <a:spcPts val="0"/>
+              </a:spcAft>
+              <a:buSzPts val="2000"/>
               <a:buChar char="●"/>
             </a:pPr>
             <a:r>
-              <a:rPr lang="en" sz="1800"/>
+              <a:rPr lang="en" sz="2000"/>
               <a:t>Framingham Dataset - frmgham2.csv</a:t>
             </a:r>
-            <a:endParaRPr sz="1800"/>
+            <a:endParaRPr sz="2000"/>
           </a:p>
           <a:p>
-            <a:pPr marL="914400" lvl="1" indent="-342900" algn="l" rtl="0">
-              <a:spcBef>
-                <a:spcPts val="0"/>
-              </a:spcBef>
-              <a:spcAft>
-                <a:spcPts val="0"/>
-              </a:spcAft>
-              <a:buSzPts val="1800"/>
+            <a:pPr marL="914400" lvl="1" indent="-355600" algn="l" rtl="0">
+              <a:spcBef>
+                <a:spcPts val="0"/>
+              </a:spcBef>
+              <a:spcAft>
+                <a:spcPts val="0"/>
+              </a:spcAft>
+              <a:buSzPts val="2000"/>
               <a:buChar char="○"/>
             </a:pPr>
             <a:r>
-              <a:rPr lang="en" sz="1800"/>
+              <a:rPr lang="en" sz="2000"/>
               <a:t>Exclude Period 3 data</a:t>
             </a:r>
-            <a:endParaRPr sz="1800"/>
+            <a:endParaRPr sz="2000"/>
           </a:p>
           <a:p>
-            <a:pPr marL="914400" lvl="1" indent="-342900" algn="l" rtl="0">
-              <a:spcBef>
-                <a:spcPts val="0"/>
-              </a:spcBef>
-              <a:spcAft>
-                <a:spcPts val="0"/>
-              </a:spcAft>
-              <a:buSzPts val="1800"/>
+            <a:pPr marL="914400" lvl="1" indent="-355600" algn="l" rtl="0">
+              <a:spcBef>
+                <a:spcPts val="0"/>
+              </a:spcBef>
+              <a:spcAft>
+                <a:spcPts val="0"/>
+              </a:spcAft>
+              <a:buSzPts val="2000"/>
               <a:buChar char="○"/>
             </a:pPr>
             <a:r>
-              <a:rPr lang="en" sz="1800"/>
+              <a:rPr lang="en" sz="2000"/>
               <a:t>Exclude subjects with MI in Period 1</a:t>
             </a:r>
-            <a:endParaRPr sz="1800"/>
+            <a:endParaRPr sz="2000"/>
           </a:p>
           <a:p>
-            <a:pPr marL="457200" lvl="0" indent="-342900" algn="l" rtl="0">
-              <a:spcBef>
-                <a:spcPts val="0"/>
-              </a:spcBef>
-              <a:spcAft>
-                <a:spcPts val="0"/>
-              </a:spcAft>
-              <a:buSzPts val="1800"/>
+            <a:pPr marL="457200" lvl="0" indent="-355600" algn="l" rtl="0">
+              <a:spcBef>
+                <a:spcPts val="0"/>
+              </a:spcBef>
+              <a:spcAft>
+                <a:spcPts val="0"/>
+              </a:spcAft>
+              <a:buSzPts val="2000"/>
               <a:buChar char="●"/>
             </a:pPr>
             <a:r>
-              <a:rPr lang="en" sz="1800"/>
+              <a:rPr lang="en" sz="2000"/>
               <a:t>Create two datasets - Period 1 and Period 2</a:t>
             </a:r>
-            <a:endParaRPr sz="1800"/>
+            <a:endParaRPr sz="2000"/>
           </a:p>
           <a:p>
-            <a:pPr marL="914400" lvl="1" indent="-342900" algn="l" rtl="0">
-              <a:spcBef>
-                <a:spcPts val="0"/>
-              </a:spcBef>
-              <a:spcAft>
-                <a:spcPts val="0"/>
-              </a:spcAft>
-              <a:buSzPts val="1800"/>
+            <a:pPr marL="914400" lvl="1" indent="-355600" algn="l" rtl="0">
+              <a:spcBef>
+                <a:spcPts val="0"/>
+              </a:spcBef>
+              <a:spcAft>
+                <a:spcPts val="0"/>
+              </a:spcAft>
+              <a:buSzPts val="2000"/>
               <a:buChar char="○"/>
             </a:pPr>
             <a:r>
-              <a:rPr lang="en" sz="1800"/>
+              <a:rPr lang="en" sz="2000"/>
               <a:t>Merge datasets by RANDID</a:t>
             </a:r>
-            <a:endParaRPr sz="1800"/>
+            <a:endParaRPr sz="2000"/>
           </a:p>
           <a:p>
-            <a:pPr marL="914400" lvl="1" indent="-342900" algn="l" rtl="0">
-              <a:spcBef>
-                <a:spcPts val="0"/>
-              </a:spcBef>
-              <a:spcAft>
-                <a:spcPts val="0"/>
-              </a:spcAft>
-              <a:buSzPts val="1800"/>
+            <a:pPr marL="914400" lvl="1" indent="-355600" algn="l" rtl="0">
+              <a:spcBef>
+                <a:spcPts val="0"/>
+              </a:spcBef>
+              <a:spcAft>
+                <a:spcPts val="0"/>
+              </a:spcAft>
+              <a:buSzPts val="2000"/>
               <a:buChar char="○"/>
             </a:pPr>
             <a:r>
-              <a:rPr lang="en" sz="1800"/>
-              <a:t>Include: Period 1 Glucose, Period 2 MI, Covariates</a:t>
+              <a:rPr lang="en" sz="2000"/>
+              <a:t>Include: Period 1 Glucose, Period 2 MI, Covariates </a:t>
             </a:r>
-            <a:endParaRPr sz="1800"/>
+            <a:endParaRPr sz="2000"/>
           </a:p>
           <a:p>
-            <a:pPr marL="457200" lvl="0" indent="-342900" algn="l" rtl="0">
-              <a:spcBef>
-                <a:spcPts val="0"/>
-              </a:spcBef>
-              <a:spcAft>
-                <a:spcPts val="0"/>
-              </a:spcAft>
-              <a:buSzPts val="1800"/>
+            <a:pPr marL="457200" lvl="0" indent="-355600" algn="l" rtl="0">
+              <a:spcBef>
+                <a:spcPts val="0"/>
+              </a:spcBef>
+              <a:spcAft>
+                <a:spcPts val="0"/>
+              </a:spcAft>
+              <a:buSzPts val="2000"/>
               <a:buChar char="●"/>
             </a:pPr>
             <a:r>
-              <a:rPr lang="en" sz="1800"/>
+              <a:rPr lang="en" sz="2000"/>
               <a:t>Remove NA’s</a:t>
             </a:r>
-            <a:endParaRPr sz="1800"/>
+            <a:endParaRPr sz="2000"/>
           </a:p>
           <a:p>
-            <a:pPr marL="457200" lvl="0" indent="-342900" algn="l" rtl="0">
-              <a:spcBef>
-                <a:spcPts val="0"/>
-              </a:spcBef>
-              <a:spcAft>
-                <a:spcPts val="0"/>
-              </a:spcAft>
-              <a:buSzPts val="1800"/>
-              <a:buChar char="●"/>
+            <a:pPr marL="457200" lvl="0" indent="0" algn="l" rtl="0">
+              <a:spcBef>
+                <a:spcPts val="1600"/>
+              </a:spcBef>
+              <a:spcAft>
+                <a:spcPts val="0"/>
+              </a:spcAft>
+              <a:buNone/>
             </a:pPr>
-            <a:r>
-              <a:rPr lang="en" sz="1800"/>
-              <a:t>Outcome</a:t>
-            </a:r>
-            <a:endParaRPr sz="1800"/>
-          </a:p>
-          <a:p>
-            <a:pPr marL="914400" lvl="0" indent="-342900" algn="l" rtl="0">
-              <a:spcBef>
-                <a:spcPts val="0"/>
-              </a:spcBef>
-              <a:spcAft>
-                <a:spcPts val="0"/>
-              </a:spcAft>
-              <a:buSzPts val="1800"/>
-              <a:buChar char="●"/>
-            </a:pPr>
-            <a:r>
-              <a:rPr lang="en" sz="1800"/>
-              <a:t>Develop MI in Period 2 </a:t>
-            </a:r>
-            <a:endParaRPr sz="1800"/>
-          </a:p>
-          <a:p>
-            <a:pPr marL="1828800" lvl="1" indent="-342900" algn="l" rtl="0">
-              <a:spcBef>
-                <a:spcPts val="0"/>
-              </a:spcBef>
-              <a:spcAft>
-                <a:spcPts val="0"/>
-              </a:spcAft>
-              <a:buSzPts val="1800"/>
-              <a:buChar char="○"/>
-            </a:pPr>
-            <a:r>
-              <a:rPr lang="en" sz="1800"/>
-              <a:t>PERIOD = 2, PREVMI = 1 and PERIOD = 1, PREVMI = 0</a:t>
-            </a:r>
             <a:endParaRPr sz="1800"/>
           </a:p>
           <a:p>
@@ -8884,7 +9508,7 @@
         </p:nvSpPr>
         <p:spPr>
           <a:xfrm>
-            <a:off x="727650" y="553250"/>
+            <a:off x="729450" y="583875"/>
             <a:ext cx="7688700" cy="535200"/>
           </a:xfrm>
           <a:prstGeom prst="rect">
@@ -8908,7 +9532,7 @@
             </a:pPr>
             <a:r>
               <a:rPr lang="en"/>
-              <a:t>Consort Diagram</a:t>
+              <a:t>Variables</a:t>
             </a:r>
             <a:endParaRPr/>
           </a:p>
@@ -8924,13 +9548,13 @@
           <a:blip r:embed="rId3">
             <a:alphaModFix/>
           </a:blip>
-          <a:srcRect l="31467" t="27084" r="20314" b="15619"/>
+          <a:srcRect l="21768" t="34954" r="27073" b="16069"/>
           <a:stretch/>
         </p:blipFill>
         <p:spPr>
           <a:xfrm>
-            <a:off x="1852275" y="1186377"/>
-            <a:ext cx="5255798" cy="3513175"/>
+            <a:off x="979700" y="1331775"/>
+            <a:ext cx="6704923" cy="3610351"/>
           </a:xfrm>
           <a:prstGeom prst="rect">
             <a:avLst/>
@@ -8978,7 +9602,7 @@
         </p:nvSpPr>
         <p:spPr>
           <a:xfrm>
-            <a:off x="729450" y="581650"/>
+            <a:off x="727650" y="553250"/>
             <a:ext cx="7688700" cy="535200"/>
           </a:xfrm>
           <a:prstGeom prst="rect">
@@ -9002,50 +9626,39 @@
             </a:pPr>
             <a:r>
               <a:rPr lang="en"/>
-              <a:t>Table 1</a:t>
+              <a:t>Consort Diagram</a:t>
             </a:r>
             <a:endParaRPr/>
           </a:p>
         </p:txBody>
       </p:sp>
-      <p:sp>
-        <p:nvSpPr>
+      <p:pic>
+        <p:nvPicPr>
           <p:cNvPr id="117" name="Google Shape;117;p18"/>
-          <p:cNvSpPr txBox="1">
-            <a:spLocks noGrp="1"/>
-          </p:cNvSpPr>
-          <p:nvPr>
-            <p:ph type="body" idx="1"/>
-          </p:nvPr>
-        </p:nvSpPr>
+          <p:cNvPicPr preferRelativeResize="0"/>
+          <p:nvPr/>
+        </p:nvPicPr>
+        <p:blipFill rotWithShape="1">
+          <a:blip r:embed="rId3">
+            <a:alphaModFix/>
+          </a:blip>
+          <a:srcRect l="31467" t="27084" r="20314" b="15619"/>
+          <a:stretch/>
+        </p:blipFill>
         <p:spPr>
           <a:xfrm>
-            <a:off x="729450" y="2078875"/>
-            <a:ext cx="7688700" cy="2261100"/>
+            <a:off x="1852275" y="1186377"/>
+            <a:ext cx="5255798" cy="3513175"/>
           </a:xfrm>
           <a:prstGeom prst="rect">
             <a:avLst/>
           </a:prstGeom>
+          <a:noFill/>
+          <a:ln>
+            <a:noFill/>
+          </a:ln>
         </p:spPr>
-        <p:txBody>
-          <a:bodyPr spcFirstLastPara="1" wrap="square" lIns="91425" tIns="91425" rIns="91425" bIns="91425" anchor="t" anchorCtr="0">
-            <a:noAutofit/>
-          </a:bodyPr>
-          <a:lstStyle/>
-          <a:p>
-            <a:pPr marL="0" lvl="0" indent="0" algn="l" rtl="0">
-              <a:spcBef>
-                <a:spcPts val="0"/>
-              </a:spcBef>
-              <a:spcAft>
-                <a:spcPts val="1600"/>
-              </a:spcAft>
-              <a:buNone/>
-            </a:pPr>
-            <a:endParaRPr/>
-          </a:p>
-        </p:txBody>
-      </p:sp>
+      </p:pic>
     </p:spTree>
   </p:cSld>
   <p:clrMapOvr>
@@ -9083,7 +9696,7 @@
         </p:nvSpPr>
         <p:spPr>
           <a:xfrm>
-            <a:off x="727650" y="581675"/>
+            <a:off x="729450" y="583875"/>
             <a:ext cx="7688700" cy="535200"/>
           </a:xfrm>
           <a:prstGeom prst="rect">
@@ -9107,7 +9720,7 @@
             </a:pPr>
             <a:r>
               <a:rPr lang="en"/>
-              <a:t>Distribution</a:t>
+              <a:t>Statistical Analysis Plan</a:t>
             </a:r>
             <a:endParaRPr/>
           </a:p>
@@ -9125,8 +9738,8 @@
         </p:nvSpPr>
         <p:spPr>
           <a:xfrm>
-            <a:off x="729450" y="2078875"/>
-            <a:ext cx="7688700" cy="2261100"/>
+            <a:off x="729450" y="1515500"/>
+            <a:ext cx="7688700" cy="2824500"/>
           </a:xfrm>
           <a:prstGeom prst="rect">
             <a:avLst/>
@@ -9138,16 +9751,118 @@
           </a:bodyPr>
           <a:lstStyle/>
           <a:p>
+            <a:pPr marL="457200" lvl="0" indent="-355600" algn="l" rtl="0">
+              <a:spcBef>
+                <a:spcPts val="0"/>
+              </a:spcBef>
+              <a:spcAft>
+                <a:spcPts val="0"/>
+              </a:spcAft>
+              <a:buSzPts val="2000"/>
+              <a:buChar char="●"/>
+            </a:pPr>
+            <a:r>
+              <a:rPr lang="en" sz="2000"/>
+              <a:t>Initial Plan - Two sample t-test</a:t>
+            </a:r>
+            <a:endParaRPr sz="2000"/>
+          </a:p>
+          <a:p>
+            <a:pPr marL="914400" lvl="1" indent="-355600" algn="l" rtl="0">
+              <a:spcBef>
+                <a:spcPts val="0"/>
+              </a:spcBef>
+              <a:spcAft>
+                <a:spcPts val="0"/>
+              </a:spcAft>
+              <a:buSzPts val="2000"/>
+              <a:buChar char="○"/>
+            </a:pPr>
+            <a:r>
+              <a:rPr lang="en" sz="2000"/>
+              <a:t>Distributions did not appear normal</a:t>
+            </a:r>
+            <a:endParaRPr sz="2000"/>
+          </a:p>
+          <a:p>
+            <a:pPr marL="457200" lvl="0" indent="-355600" algn="l" rtl="0">
+              <a:spcBef>
+                <a:spcPts val="0"/>
+              </a:spcBef>
+              <a:spcAft>
+                <a:spcPts val="0"/>
+              </a:spcAft>
+              <a:buSzPts val="2000"/>
+              <a:buChar char="●"/>
+            </a:pPr>
+            <a:r>
+              <a:rPr lang="en" sz="2000"/>
+              <a:t>Mann-Whitney Test </a:t>
+            </a:r>
+            <a:endParaRPr sz="2000"/>
+          </a:p>
+          <a:p>
+            <a:pPr marL="914400" lvl="1" indent="-355600" algn="l" rtl="0">
+              <a:spcBef>
+                <a:spcPts val="0"/>
+              </a:spcBef>
+              <a:spcAft>
+                <a:spcPts val="0"/>
+              </a:spcAft>
+              <a:buSzPts val="2000"/>
+              <a:buChar char="○"/>
+            </a:pPr>
+            <a:r>
+              <a:rPr lang="en" sz="2000"/>
+              <a:t>Test for a difference in glucose between those with and without MI</a:t>
+            </a:r>
+            <a:endParaRPr sz="2000"/>
+          </a:p>
+          <a:p>
+            <a:pPr marL="457200" lvl="0" indent="-355600" algn="l" rtl="0">
+              <a:spcBef>
+                <a:spcPts val="0"/>
+              </a:spcBef>
+              <a:spcAft>
+                <a:spcPts val="0"/>
+              </a:spcAft>
+              <a:buSzPts val="2000"/>
+              <a:buChar char="●"/>
+            </a:pPr>
+            <a:r>
+              <a:rPr lang="en" sz="2000"/>
+              <a:t>Logistic Regression</a:t>
+            </a:r>
+            <a:endParaRPr sz="2000"/>
+          </a:p>
+          <a:p>
+            <a:pPr marL="914400" lvl="1" indent="-355600" algn="l" rtl="0">
+              <a:spcBef>
+                <a:spcPts val="0"/>
+              </a:spcBef>
+              <a:spcAft>
+                <a:spcPts val="0"/>
+              </a:spcAft>
+              <a:buSzPts val="2000"/>
+              <a:buChar char="○"/>
+            </a:pPr>
+            <a:r>
+              <a:rPr lang="en" sz="2000"/>
+              <a:t>Control for risk factors - age and hypertension</a:t>
+            </a:r>
+            <a:endParaRPr sz="2000"/>
+          </a:p>
+          <a:p>
             <a:pPr marL="0" lvl="0" indent="0" algn="l" rtl="0">
               <a:spcBef>
-                <a:spcPts val="0"/>
-              </a:spcBef>
-              <a:spcAft>
                 <a:spcPts val="1600"/>
+              </a:spcBef>
+              <a:spcAft>
+                <a:spcPts val="1600"/>
               </a:spcAft>
               <a:buNone/>
             </a:pPr>
-            <a:endParaRPr/>
+            <a:endParaRPr sz="2000"/>
           </a:p>
         </p:txBody>
       </p:sp>
@@ -9188,7 +9903,7 @@
         </p:nvSpPr>
         <p:spPr>
           <a:xfrm>
-            <a:off x="729450" y="581675"/>
+            <a:off x="729450" y="581650"/>
             <a:ext cx="7688700" cy="535200"/>
           </a:xfrm>
           <a:prstGeom prst="rect">
@@ -9212,26 +9927,78 @@
             </a:pPr>
             <a:r>
               <a:rPr lang="en"/>
-              <a:t>Analysis Results</a:t>
+              <a:t>Table 1</a:t>
             </a:r>
             <a:endParaRPr/>
           </a:p>
         </p:txBody>
       </p:sp>
+      <p:pic>
+        <p:nvPicPr>
+          <p:cNvPr id="129" name="Google Shape;129;p20"/>
+          <p:cNvPicPr preferRelativeResize="0"/>
+          <p:nvPr/>
+        </p:nvPicPr>
+        <p:blipFill rotWithShape="1">
+          <a:blip r:embed="rId3">
+            <a:alphaModFix/>
+          </a:blip>
+          <a:srcRect l="21294" t="38287" r="33205" b="18114"/>
+          <a:stretch/>
+        </p:blipFill>
+        <p:spPr>
+          <a:xfrm>
+            <a:off x="949275" y="1285875"/>
+            <a:ext cx="7015176" cy="3781075"/>
+          </a:xfrm>
+          <a:prstGeom prst="rect">
+            <a:avLst/>
+          </a:prstGeom>
+          <a:noFill/>
+          <a:ln>
+            <a:noFill/>
+          </a:ln>
+        </p:spPr>
+      </p:pic>
+    </p:spTree>
+  </p:cSld>
+  <p:clrMapOvr>
+    <a:masterClrMapping/>
+  </p:clrMapOvr>
+</p:sld>
+</file>
+
+<file path=ppt/slides/slide9.xml><?xml version="1.0" encoding="utf-8"?>
+<p:sld xmlns:a="http://schemas.openxmlformats.org/drawingml/2006/main" xmlns:r="http://schemas.openxmlformats.org/officeDocument/2006/relationships" xmlns:p="http://schemas.openxmlformats.org/presentationml/2006/main">
+  <p:cSld>
+    <p:spTree>
+      <p:nvGrpSpPr>
+        <p:cNvPr id="1" name="Shape 133"/>
+        <p:cNvGrpSpPr/>
+        <p:nvPr/>
+      </p:nvGrpSpPr>
+      <p:grpSpPr>
+        <a:xfrm>
+          <a:off x="0" y="0"/>
+          <a:ext cx="0" cy="0"/>
+          <a:chOff x="0" y="0"/>
+          <a:chExt cx="0" cy="0"/>
+        </a:xfrm>
+      </p:grpSpPr>
       <p:sp>
         <p:nvSpPr>
-          <p:cNvPr id="129" name="Google Shape;129;p20"/>
+          <p:cNvPr id="134" name="Google Shape;134;p21"/>
           <p:cNvSpPr txBox="1">
             <a:spLocks noGrp="1"/>
           </p:cNvSpPr>
           <p:nvPr>
-            <p:ph type="body" idx="1"/>
+            <p:ph type="title"/>
           </p:nvPr>
         </p:nvSpPr>
         <p:spPr>
           <a:xfrm>
-            <a:off x="729450" y="2078875"/>
-            <a:ext cx="7688700" cy="2261100"/>
+            <a:off x="727650" y="581675"/>
+            <a:ext cx="7688700" cy="535200"/>
           </a:xfrm>
           <a:prstGeom prst="rect">
             <a:avLst/>
@@ -9248,14 +10015,46 @@
                 <a:spcPts val="0"/>
               </a:spcBef>
               <a:spcAft>
-                <a:spcPts val="1600"/>
+                <a:spcPts val="0"/>
               </a:spcAft>
               <a:buNone/>
             </a:pPr>
+            <a:r>
+              <a:rPr lang="en"/>
+              <a:t>Distribution</a:t>
+            </a:r>
             <a:endParaRPr/>
           </a:p>
         </p:txBody>
       </p:sp>
+      <p:pic>
+        <p:nvPicPr>
+          <p:cNvPr id="135" name="Google Shape;135;p21"/>
+          <p:cNvPicPr preferRelativeResize="0"/>
+          <p:nvPr/>
+        </p:nvPicPr>
+        <p:blipFill>
+          <a:blip r:embed="rId3">
+            <a:alphaModFix/>
+          </a:blip>
+          <a:stretch>
+            <a:fillRect/>
+          </a:stretch>
+        </p:blipFill>
+        <p:spPr>
+          <a:xfrm>
+            <a:off x="727650" y="1452975"/>
+            <a:ext cx="7305675" cy="3067050"/>
+          </a:xfrm>
+          <a:prstGeom prst="rect">
+            <a:avLst/>
+          </a:prstGeom>
+          <a:noFill/>
+          <a:ln>
+            <a:noFill/>
+          </a:ln>
+        </p:spPr>
+      </p:pic>
     </p:spTree>
   </p:cSld>
   <p:clrMapOvr>

--- a/Project 5_powerpoint.pptx
+++ b/Project 5_powerpoint.pptx
@@ -24,14 +24,14 @@
   <p:notesSz cx="6858000" cy="9144000"/>
   <p:embeddedFontLst>
     <p:embeddedFont>
-      <p:font typeface="Lato" panose="020B0604020202020204" charset="0"/>
+      <p:font typeface="Lato" panose="020F0502020204030203" pitchFamily="34" charset="77"/>
       <p:regular r:id="rId14"/>
       <p:bold r:id="rId15"/>
       <p:italic r:id="rId16"/>
       <p:boldItalic r:id="rId17"/>
     </p:embeddedFont>
     <p:embeddedFont>
-      <p:font typeface="Raleway" panose="020B0604020202020204" charset="0"/>
+      <p:font typeface="Raleway" panose="020B0503030101060003" pitchFamily="34" charset="77"/>
       <p:regular r:id="rId18"/>
       <p:bold r:id="rId19"/>
       <p:italic r:id="rId20"/>
@@ -1796,7 +1796,7 @@
         </p:nvSpPr>
         <p:spPr>
           <a:xfrm>
-            <a:off x="381300" y="685800"/>
+            <a:off x="381000" y="685800"/>
             <a:ext cx="6096000" cy="3429000"/>
           </a:xfrm>
           <a:custGeom>
@@ -10055,6 +10055,49 @@
           </a:ln>
         </p:spPr>
       </p:pic>
+      <p:sp>
+        <p:nvSpPr>
+          <p:cNvPr id="2" name="TextBox 1">
+            <a:extLst>
+              <a:ext uri="{FF2B5EF4-FFF2-40B4-BE49-F238E27FC236}">
+                <a16:creationId xmlns:a16="http://schemas.microsoft.com/office/drawing/2014/main" id="{91F3E307-E570-4D43-A11C-1B27F8D7812C}"/>
+              </a:ext>
+            </a:extLst>
+          </p:cNvPr>
+          <p:cNvSpPr txBox="1"/>
+          <p:nvPr/>
+        </p:nvSpPr>
+        <p:spPr>
+          <a:xfrm>
+            <a:off x="727650" y="4552622"/>
+            <a:ext cx="7074373" cy="276999"/>
+          </a:xfrm>
+          <a:prstGeom prst="rect">
+            <a:avLst/>
+          </a:prstGeom>
+          <a:noFill/>
+        </p:spPr>
+        <p:txBody>
+          <a:bodyPr wrap="none" rtlCol="0">
+            <a:spAutoFit/>
+          </a:bodyPr>
+          <a:lstStyle/>
+          <a:p>
+            <a:r>
+              <a:rPr lang="en-US" sz="1200" dirty="0"/>
+              <a:t>*For reference, a Glucose value </a:t>
+            </a:r>
+            <a:r>
+              <a:rPr lang="en-US" sz="1200"/>
+              <a:t>of &gt;140 </a:t>
+            </a:r>
+            <a:r>
+              <a:rPr lang="en-US" sz="1200" dirty="0"/>
+              <a:t>is considered abnormal and a value &gt;200 indicates diabetes</a:t>
+            </a:r>
+          </a:p>
+        </p:txBody>
+      </p:sp>
     </p:spTree>
   </p:cSld>
   <p:clrMapOvr>

--- a/Project 5_powerpoint.pptx
+++ b/Project 5_powerpoint.pptx
@@ -10069,7 +10069,7 @@
         </p:nvSpPr>
         <p:spPr>
           <a:xfrm>
-            <a:off x="727650" y="4552622"/>
+            <a:off x="727650" y="4561825"/>
             <a:ext cx="7074373" cy="276999"/>
           </a:xfrm>
           <a:prstGeom prst="rect">
@@ -10085,15 +10085,7 @@
           <a:p>
             <a:r>
               <a:rPr lang="en-US" sz="1200" dirty="0"/>
-              <a:t>*For reference, a Glucose value </a:t>
-            </a:r>
-            <a:r>
-              <a:rPr lang="en-US" sz="1200"/>
-              <a:t>of &gt;140 </a:t>
-            </a:r>
-            <a:r>
-              <a:rPr lang="en-US" sz="1200" dirty="0"/>
-              <a:t>is considered abnormal and a value &gt;200 indicates diabetes</a:t>
+              <a:t>*For reference, a Glucose value of &gt;140 is considered abnormal and a value &gt;200 indicates diabetes</a:t>
             </a:r>
           </a:p>
         </p:txBody>
